--- a/Document/分析与设计汇报PPT.pptx
+++ b/Document/分析与设计汇报PPT.pptx
@@ -132,7 +132,7 @@
   </p:defaultTextStyle>
   <p:extLst>
     <p:ext uri="{EFAFB233-063F-42B5-8137-9DF3F51BA10A}">
-      <p15:sldGuideLst xmlns:p15="http://schemas.microsoft.com/office/powerpoint/2012/main" xmlns="">
+      <p15:sldGuideLst xmlns:p15="http://schemas.microsoft.com/office/powerpoint/2012/main">
         <p15:guide id="1" orient="horz" pos="3929" userDrawn="1">
           <p15:clr>
             <a:srgbClr val="A4A3A4"/>
@@ -247,7 +247,7 @@
             <a:fld id="{10D9D6B9-4F51-444E-B7F9-94A297AAF03F}" type="datetimeFigureOut">
               <a:rPr lang="zh-HK" altLang="en-US" smtClean="0"/>
               <a:pPr/>
-              <a:t>30/6/2016</a:t>
+              <a:t>1/7/2016</a:t>
             </a:fld>
             <a:endParaRPr lang="zh-HK" altLang="en-US"/>
           </a:p>
@@ -416,7 +416,7 @@
     </p:spTree>
     <p:extLst>
       <p:ext uri="{BB962C8B-B14F-4D97-AF65-F5344CB8AC3E}">
-        <p14:creationId xmlns:p14="http://schemas.microsoft.com/office/powerpoint/2010/main" xmlns="" val="414465127"/>
+        <p14:creationId xmlns:p14="http://schemas.microsoft.com/office/powerpoint/2010/main" val="414465127"/>
       </p:ext>
     </p:extLst>
   </p:cSld>
@@ -648,7 +648,7 @@
             <a:fld id="{76EF31D4-1AA4-45E7-8F10-C007A9A6DDB0}" type="datetimeFigureOut">
               <a:rPr lang="zh-HK" altLang="en-US" smtClean="0"/>
               <a:pPr/>
-              <a:t>30/6/2016</a:t>
+              <a:t>1/7/2016</a:t>
             </a:fld>
             <a:endParaRPr lang="zh-HK" altLang="en-US"/>
           </a:p>
@@ -700,7 +700,7 @@
     </p:spTree>
     <p:extLst>
       <p:ext uri="{BB962C8B-B14F-4D97-AF65-F5344CB8AC3E}">
-        <p14:creationId xmlns:p14="http://schemas.microsoft.com/office/powerpoint/2010/main" xmlns="" val="1546369342"/>
+        <p14:creationId xmlns:p14="http://schemas.microsoft.com/office/powerpoint/2010/main" val="1546369342"/>
       </p:ext>
     </p:extLst>
   </p:cSld>
@@ -820,7 +820,7 @@
             <a:fld id="{76EF31D4-1AA4-45E7-8F10-C007A9A6DDB0}" type="datetimeFigureOut">
               <a:rPr lang="zh-HK" altLang="en-US" smtClean="0"/>
               <a:pPr/>
-              <a:t>30/6/2016</a:t>
+              <a:t>1/7/2016</a:t>
             </a:fld>
             <a:endParaRPr lang="zh-HK" altLang="en-US"/>
           </a:p>
@@ -872,7 +872,7 @@
     </p:spTree>
     <p:extLst>
       <p:ext uri="{BB962C8B-B14F-4D97-AF65-F5344CB8AC3E}">
-        <p14:creationId xmlns:p14="http://schemas.microsoft.com/office/powerpoint/2010/main" xmlns="" val="1362567964"/>
+        <p14:creationId xmlns:p14="http://schemas.microsoft.com/office/powerpoint/2010/main" val="1362567964"/>
       </p:ext>
     </p:extLst>
   </p:cSld>
@@ -1002,7 +1002,7 @@
             <a:fld id="{76EF31D4-1AA4-45E7-8F10-C007A9A6DDB0}" type="datetimeFigureOut">
               <a:rPr lang="zh-HK" altLang="en-US" smtClean="0"/>
               <a:pPr/>
-              <a:t>30/6/2016</a:t>
+              <a:t>1/7/2016</a:t>
             </a:fld>
             <a:endParaRPr lang="zh-HK" altLang="en-US"/>
           </a:p>
@@ -1054,7 +1054,7 @@
     </p:spTree>
     <p:extLst>
       <p:ext uri="{BB962C8B-B14F-4D97-AF65-F5344CB8AC3E}">
-        <p14:creationId xmlns:p14="http://schemas.microsoft.com/office/powerpoint/2010/main" xmlns="" val="4294933193"/>
+        <p14:creationId xmlns:p14="http://schemas.microsoft.com/office/powerpoint/2010/main" val="4294933193"/>
       </p:ext>
     </p:extLst>
   </p:cSld>
@@ -1174,7 +1174,7 @@
             <a:fld id="{76EF31D4-1AA4-45E7-8F10-C007A9A6DDB0}" type="datetimeFigureOut">
               <a:rPr lang="zh-HK" altLang="en-US" smtClean="0"/>
               <a:pPr/>
-              <a:t>30/6/2016</a:t>
+              <a:t>1/7/2016</a:t>
             </a:fld>
             <a:endParaRPr lang="zh-HK" altLang="en-US"/>
           </a:p>
@@ -1226,7 +1226,7 @@
     </p:spTree>
     <p:extLst>
       <p:ext uri="{BB962C8B-B14F-4D97-AF65-F5344CB8AC3E}">
-        <p14:creationId xmlns:p14="http://schemas.microsoft.com/office/powerpoint/2010/main" xmlns="" val="2903875786"/>
+        <p14:creationId xmlns:p14="http://schemas.microsoft.com/office/powerpoint/2010/main" val="2903875786"/>
       </p:ext>
     </p:extLst>
   </p:cSld>
@@ -1422,7 +1422,7 @@
             <a:fld id="{76EF31D4-1AA4-45E7-8F10-C007A9A6DDB0}" type="datetimeFigureOut">
               <a:rPr lang="zh-HK" altLang="en-US" smtClean="0"/>
               <a:pPr/>
-              <a:t>30/6/2016</a:t>
+              <a:t>1/7/2016</a:t>
             </a:fld>
             <a:endParaRPr lang="zh-HK" altLang="en-US"/>
           </a:p>
@@ -1474,7 +1474,7 @@
     </p:spTree>
     <p:extLst>
       <p:ext uri="{BB962C8B-B14F-4D97-AF65-F5344CB8AC3E}">
-        <p14:creationId xmlns:p14="http://schemas.microsoft.com/office/powerpoint/2010/main" xmlns="" val="2480345678"/>
+        <p14:creationId xmlns:p14="http://schemas.microsoft.com/office/powerpoint/2010/main" val="2480345678"/>
       </p:ext>
     </p:extLst>
   </p:cSld>
@@ -1656,7 +1656,7 @@
             <a:fld id="{76EF31D4-1AA4-45E7-8F10-C007A9A6DDB0}" type="datetimeFigureOut">
               <a:rPr lang="zh-HK" altLang="en-US" smtClean="0"/>
               <a:pPr/>
-              <a:t>30/6/2016</a:t>
+              <a:t>1/7/2016</a:t>
             </a:fld>
             <a:endParaRPr lang="zh-HK" altLang="en-US"/>
           </a:p>
@@ -1708,7 +1708,7 @@
     </p:spTree>
     <p:extLst>
       <p:ext uri="{BB962C8B-B14F-4D97-AF65-F5344CB8AC3E}">
-        <p14:creationId xmlns:p14="http://schemas.microsoft.com/office/powerpoint/2010/main" xmlns="" val="1776317779"/>
+        <p14:creationId xmlns:p14="http://schemas.microsoft.com/office/powerpoint/2010/main" val="1776317779"/>
       </p:ext>
     </p:extLst>
   </p:cSld>
@@ -2025,7 +2025,7 @@
             <a:fld id="{76EF31D4-1AA4-45E7-8F10-C007A9A6DDB0}" type="datetimeFigureOut">
               <a:rPr lang="zh-HK" altLang="en-US" smtClean="0"/>
               <a:pPr/>
-              <a:t>30/6/2016</a:t>
+              <a:t>1/7/2016</a:t>
             </a:fld>
             <a:endParaRPr lang="zh-HK" altLang="en-US"/>
           </a:p>
@@ -2077,7 +2077,7 @@
     </p:spTree>
     <p:extLst>
       <p:ext uri="{BB962C8B-B14F-4D97-AF65-F5344CB8AC3E}">
-        <p14:creationId xmlns:p14="http://schemas.microsoft.com/office/powerpoint/2010/main" xmlns="" val="3869668239"/>
+        <p14:creationId xmlns:p14="http://schemas.microsoft.com/office/powerpoint/2010/main" val="3869668239"/>
       </p:ext>
     </p:extLst>
   </p:cSld>
@@ -2145,7 +2145,7 @@
             <a:fld id="{76EF31D4-1AA4-45E7-8F10-C007A9A6DDB0}" type="datetimeFigureOut">
               <a:rPr lang="zh-HK" altLang="en-US" smtClean="0"/>
               <a:pPr/>
-              <a:t>30/6/2016</a:t>
+              <a:t>1/7/2016</a:t>
             </a:fld>
             <a:endParaRPr lang="zh-HK" altLang="en-US"/>
           </a:p>
@@ -2197,7 +2197,7 @@
     </p:spTree>
     <p:extLst>
       <p:ext uri="{BB962C8B-B14F-4D97-AF65-F5344CB8AC3E}">
-        <p14:creationId xmlns:p14="http://schemas.microsoft.com/office/powerpoint/2010/main" xmlns="" val="2442948072"/>
+        <p14:creationId xmlns:p14="http://schemas.microsoft.com/office/powerpoint/2010/main" val="2442948072"/>
       </p:ext>
     </p:extLst>
   </p:cSld>
@@ -2242,7 +2242,7 @@
             <a:fld id="{76EF31D4-1AA4-45E7-8F10-C007A9A6DDB0}" type="datetimeFigureOut">
               <a:rPr lang="zh-HK" altLang="en-US" smtClean="0"/>
               <a:pPr/>
-              <a:t>30/6/2016</a:t>
+              <a:t>1/7/2016</a:t>
             </a:fld>
             <a:endParaRPr lang="zh-HK" altLang="en-US"/>
           </a:p>
@@ -2294,7 +2294,7 @@
     </p:spTree>
     <p:extLst>
       <p:ext uri="{BB962C8B-B14F-4D97-AF65-F5344CB8AC3E}">
-        <p14:creationId xmlns:p14="http://schemas.microsoft.com/office/powerpoint/2010/main" xmlns="" val="1524365472"/>
+        <p14:creationId xmlns:p14="http://schemas.microsoft.com/office/powerpoint/2010/main" val="1524365472"/>
       </p:ext>
     </p:extLst>
   </p:cSld>
@@ -2521,7 +2521,7 @@
             <a:fld id="{76EF31D4-1AA4-45E7-8F10-C007A9A6DDB0}" type="datetimeFigureOut">
               <a:rPr lang="zh-HK" altLang="en-US" smtClean="0"/>
               <a:pPr/>
-              <a:t>30/6/2016</a:t>
+              <a:t>1/7/2016</a:t>
             </a:fld>
             <a:endParaRPr lang="zh-HK" altLang="en-US"/>
           </a:p>
@@ -2573,7 +2573,7 @@
     </p:spTree>
     <p:extLst>
       <p:ext uri="{BB962C8B-B14F-4D97-AF65-F5344CB8AC3E}">
-        <p14:creationId xmlns:p14="http://schemas.microsoft.com/office/powerpoint/2010/main" xmlns="" val="2294938153"/>
+        <p14:creationId xmlns:p14="http://schemas.microsoft.com/office/powerpoint/2010/main" val="2294938153"/>
       </p:ext>
     </p:extLst>
   </p:cSld>
@@ -2776,7 +2776,7 @@
             <a:fld id="{76EF31D4-1AA4-45E7-8F10-C007A9A6DDB0}" type="datetimeFigureOut">
               <a:rPr lang="zh-HK" altLang="en-US" smtClean="0"/>
               <a:pPr/>
-              <a:t>30/6/2016</a:t>
+              <a:t>1/7/2016</a:t>
             </a:fld>
             <a:endParaRPr lang="zh-HK" altLang="en-US"/>
           </a:p>
@@ -2828,7 +2828,7 @@
     </p:spTree>
     <p:extLst>
       <p:ext uri="{BB962C8B-B14F-4D97-AF65-F5344CB8AC3E}">
-        <p14:creationId xmlns:p14="http://schemas.microsoft.com/office/powerpoint/2010/main" xmlns="" val="3104590780"/>
+        <p14:creationId xmlns:p14="http://schemas.microsoft.com/office/powerpoint/2010/main" val="3104590780"/>
       </p:ext>
     </p:extLst>
   </p:cSld>
@@ -2994,7 +2994,7 @@
             <a:fld id="{76EF31D4-1AA4-45E7-8F10-C007A9A6DDB0}" type="datetimeFigureOut">
               <a:rPr lang="zh-HK" altLang="en-US" smtClean="0"/>
               <a:pPr/>
-              <a:t>30/6/2016</a:t>
+              <a:t>1/7/2016</a:t>
             </a:fld>
             <a:endParaRPr lang="zh-HK" altLang="en-US"/>
           </a:p>
@@ -3082,7 +3082,7 @@
     </p:spTree>
     <p:extLst>
       <p:ext uri="{BB962C8B-B14F-4D97-AF65-F5344CB8AC3E}">
-        <p14:creationId xmlns:p14="http://schemas.microsoft.com/office/powerpoint/2010/main" xmlns="" val="223182752"/>
+        <p14:creationId xmlns:p14="http://schemas.microsoft.com/office/powerpoint/2010/main" val="223182752"/>
       </p:ext>
     </p:extLst>
   </p:cSld>
@@ -4357,27 +4357,7 @@
                 <a:latin typeface="方正正纤黑简体" panose="02000000000000000000" pitchFamily="2" charset="-122"/>
                 <a:ea typeface="方正正纤黑简体" panose="02000000000000000000" pitchFamily="2" charset="-122"/>
               </a:rPr>
-              <a:t>成员</a:t>
-            </a:r>
-            <a:r>
-              <a:rPr lang="zh-CN" altLang="en-US" sz="2000" b="1" i="1" dirty="0" smtClean="0">
-                <a:solidFill>
-                  <a:srgbClr val="FFFFFF"/>
-                </a:solidFill>
-                <a:latin typeface="方正正纤黑简体" panose="02000000000000000000" pitchFamily="2" charset="-122"/>
-                <a:ea typeface="方正正纤黑简体" panose="02000000000000000000" pitchFamily="2" charset="-122"/>
-              </a:rPr>
-              <a:t>：</a:t>
-            </a:r>
-            <a:r>
-              <a:rPr lang="zh-CN" altLang="en-US" sz="2000" b="1" i="1" dirty="0" smtClean="0">
-                <a:solidFill>
-                  <a:srgbClr val="FFFFFF"/>
-                </a:solidFill>
-                <a:latin typeface="方正正纤黑简体" panose="02000000000000000000" pitchFamily="2" charset="-122"/>
-                <a:ea typeface="方正正纤黑简体" panose="02000000000000000000" pitchFamily="2" charset="-122"/>
-              </a:rPr>
-              <a:t>谭彩彩 王逸凡 张鹏</a:t>
+              <a:t>成员：谭彩彩 王逸凡 张鹏</a:t>
             </a:r>
             <a:endParaRPr lang="zh-CN" altLang="en-US" sz="2000" b="1" i="1" dirty="0">
               <a:solidFill>
@@ -4886,7 +4866,7 @@
               </a:ln>
               <a:extLst>
                 <a:ext uri="{91240B29-F687-4F45-9708-019B960494DF}">
-                  <a14:hiddenLine xmlns:a14="http://schemas.microsoft.com/office/drawing/2010/main" xmlns="" w="9525">
+                  <a14:hiddenLine xmlns:a14="http://schemas.microsoft.com/office/drawing/2010/main" w="9525">
                     <a:solidFill>
                       <a:srgbClr val="000000"/>
                     </a:solidFill>
@@ -4970,7 +4950,7 @@
               </a:ln>
               <a:extLst>
                 <a:ext uri="{91240B29-F687-4F45-9708-019B960494DF}">
-                  <a14:hiddenLine xmlns:a14="http://schemas.microsoft.com/office/drawing/2010/main" xmlns="" w="9525">
+                  <a14:hiddenLine xmlns:a14="http://schemas.microsoft.com/office/drawing/2010/main" w="9525">
                     <a:solidFill>
                       <a:srgbClr val="000000"/>
                     </a:solidFill>
@@ -5054,7 +5034,7 @@
               </a:ln>
               <a:extLst>
                 <a:ext uri="{91240B29-F687-4F45-9708-019B960494DF}">
-                  <a14:hiddenLine xmlns:a14="http://schemas.microsoft.com/office/drawing/2010/main" xmlns="" w="9525">
+                  <a14:hiddenLine xmlns:a14="http://schemas.microsoft.com/office/drawing/2010/main" w="9525">
                     <a:solidFill>
                       <a:srgbClr val="000000"/>
                     </a:solidFill>
@@ -5138,7 +5118,7 @@
               </a:ln>
               <a:extLst>
                 <a:ext uri="{91240B29-F687-4F45-9708-019B960494DF}">
-                  <a14:hiddenLine xmlns:a14="http://schemas.microsoft.com/office/drawing/2010/main" xmlns="" w="9525">
+                  <a14:hiddenLine xmlns:a14="http://schemas.microsoft.com/office/drawing/2010/main" w="9525">
                     <a:solidFill>
                       <a:srgbClr val="000000"/>
                     </a:solidFill>
@@ -5166,20 +5146,20 @@
     </p:spTree>
     <p:extLst>
       <p:ext uri="{BB962C8B-B14F-4D97-AF65-F5344CB8AC3E}">
-        <p14:creationId xmlns:p14="http://schemas.microsoft.com/office/powerpoint/2010/main" xmlns="" val="79698286"/>
+        <p14:creationId xmlns:p14="http://schemas.microsoft.com/office/powerpoint/2010/main" val="79698286"/>
       </p:ext>
     </p:extLst>
   </p:cSld>
   <p:clrMapOvr>
     <a:masterClrMapping/>
   </p:clrMapOvr>
-  <mc:AlternateContent xmlns:mc="http://schemas.openxmlformats.org/markup-compatibility/2006">
-    <mc:Choice xmlns:p14="http://schemas.microsoft.com/office/powerpoint/2010/main" xmlns="" Requires="p14">
+  <mc:AlternateContent xmlns:mc="http://schemas.openxmlformats.org/markup-compatibility/2006" xmlns:p14="http://schemas.microsoft.com/office/powerpoint/2010/main">
+    <mc:Choice Requires="p14">
       <p:transition spd="med" p14:dur="700">
         <p:fade/>
       </p:transition>
     </mc:Choice>
-    <mc:Fallback>
+    <mc:Fallback xmlns="">
       <p:transition spd="med">
         <p:fade/>
       </p:transition>
@@ -6875,13 +6855,6 @@
               </a:rPr>
               <a:t>结构，无论你身在何处只要能够上网都能方便的使用该系统，具有较强的适应性。</a:t>
             </a:r>
-            <a:endParaRPr lang="zh-CN" altLang="en-US" sz="2300" dirty="0" smtClean="0">
-              <a:solidFill>
-                <a:srgbClr val="5A514A"/>
-              </a:solidFill>
-              <a:latin typeface="张海山锐谐体2.0-授权联系：Samtype@QQ.com" panose="02000000000000000000" pitchFamily="2" charset="-122"/>
-              <a:ea typeface="张海山锐谐体2.0-授权联系：Samtype@QQ.com" panose="02000000000000000000" pitchFamily="2" charset="-122"/>
-            </a:endParaRPr>
           </a:p>
           <a:p>
             <a:pPr algn="ctr"/>
@@ -6971,13 +6944,6 @@
               </a:rPr>
               <a:t>数据输入时要保证数据的准确性，同时提高输入速度；在输出时同样要保证数据的一致性。</a:t>
             </a:r>
-            <a:endParaRPr lang="zh-CN" altLang="en-US" sz="2300" dirty="0" smtClean="0">
-              <a:solidFill>
-                <a:srgbClr val="5A514A"/>
-              </a:solidFill>
-              <a:latin typeface="张海山锐谐体2.0-授权联系：Samtype@QQ.com" panose="02000000000000000000" pitchFamily="2" charset="-122"/>
-              <a:ea typeface="张海山锐谐体2.0-授权联系：Samtype@QQ.com" panose="02000000000000000000" pitchFamily="2" charset="-122"/>
-            </a:endParaRPr>
           </a:p>
           <a:p>
             <a:pPr algn="ctr"/>
@@ -6994,7 +6960,7 @@
     </p:spTree>
     <p:extLst>
       <p:ext uri="{BB962C8B-B14F-4D97-AF65-F5344CB8AC3E}">
-        <p14:creationId xmlns:p14="http://schemas.microsoft.com/office/powerpoint/2010/main" xmlns="" val="578771022"/>
+        <p14:creationId xmlns:p14="http://schemas.microsoft.com/office/powerpoint/2010/main" val="578771022"/>
       </p:ext>
     </p:extLst>
   </p:cSld>
@@ -8012,7 +7978,7 @@
     </p:spTree>
     <p:extLst>
       <p:ext uri="{BB962C8B-B14F-4D97-AF65-F5344CB8AC3E}">
-        <p14:creationId xmlns:p14="http://schemas.microsoft.com/office/powerpoint/2010/main" xmlns="" val="1156258050"/>
+        <p14:creationId xmlns:p14="http://schemas.microsoft.com/office/powerpoint/2010/main" val="1156258050"/>
       </p:ext>
     </p:extLst>
   </p:cSld>
@@ -8293,17 +8259,7 @@
                 <a:latin typeface="张海山锐谐体2.0-授权联系：Samtype@QQ.com" panose="02000000000000000000" pitchFamily="2" charset="-122"/>
                 <a:ea typeface="张海山锐谐体2.0-授权联系：Samtype@QQ.com" panose="02000000000000000000" pitchFamily="2" charset="-122"/>
               </a:rPr>
-              <a:t>1</a:t>
-            </a:r>
-            <a:r>
-              <a:rPr lang="en-US" altLang="zh-HK" sz="2800" dirty="0" smtClean="0">
-                <a:solidFill>
-                  <a:schemeClr val="bg1"/>
-                </a:solidFill>
-                <a:latin typeface="张海山锐谐体2.0-授权联系：Samtype@QQ.com" panose="02000000000000000000" pitchFamily="2" charset="-122"/>
-                <a:ea typeface="张海山锐谐体2.0-授权联系：Samtype@QQ.com" panose="02000000000000000000" pitchFamily="2" charset="-122"/>
-              </a:rPr>
-              <a:t>.</a:t>
+              <a:t>1.</a:t>
             </a:r>
             <a:r>
               <a:rPr lang="zh-CN" altLang="en-US" sz="2800" dirty="0" smtClean="0">
@@ -8377,9 +8333,59 @@
         </p:xfrm>
         <a:graphic>
           <a:graphicData uri="http://schemas.openxmlformats.org/presentationml/2006/ole">
-            <p:oleObj spid="_x0000_s54273" name="Visio" r:id="rId3" imgW="5154791" imgH="2279859" progId="Visio.Drawing.6">
-              <p:embed/>
-            </p:oleObj>
+            <mc:AlternateContent xmlns:mc="http://schemas.openxmlformats.org/markup-compatibility/2006">
+              <mc:Choice xmlns:v="urn:schemas-microsoft-com:vml" Requires="v">
+                <p:oleObj spid="_x0000_s54276" name="Visio" r:id="rId3" imgW="5154791" imgH="2279859" progId="Visio.Drawing.6">
+                  <p:embed/>
+                </p:oleObj>
+              </mc:Choice>
+              <mc:Fallback>
+                <p:oleObj name="Visio" r:id="rId3" imgW="5154791" imgH="2279859" progId="Visio.Drawing.6">
+                  <p:embed/>
+                  <p:pic>
+                    <p:nvPicPr>
+                      <p:cNvPr id="0" name="Picture 1"/>
+                      <p:cNvPicPr>
+                        <a:picLocks noChangeAspect="1" noChangeArrowheads="1"/>
+                      </p:cNvPicPr>
+                      <p:nvPr/>
+                    </p:nvPicPr>
+                    <p:blipFill>
+                      <a:blip r:embed="rId4">
+                        <a:extLst>
+                          <a:ext uri="{28A0092B-C50C-407E-A947-70E740481C1C}">
+                            <a14:useLocalDpi xmlns:a14="http://schemas.microsoft.com/office/drawing/2010/main" val="0"/>
+                          </a:ext>
+                        </a:extLst>
+                      </a:blip>
+                      <a:srcRect/>
+                      <a:stretch>
+                        <a:fillRect/>
+                      </a:stretch>
+                    </p:blipFill>
+                    <p:spPr bwMode="auto">
+                      <a:xfrm>
+                        <a:off x="2002972" y="1232321"/>
+                        <a:ext cx="7532914" cy="3350989"/>
+                      </a:xfrm>
+                      <a:prstGeom prst="rect">
+                        <a:avLst/>
+                      </a:prstGeom>
+                      <a:noFill/>
+                      <a:extLst>
+                        <a:ext uri="{909E8E84-426E-40DD-AFC4-6F175D3DCCD1}">
+                          <a14:hiddenFill xmlns:a14="http://schemas.microsoft.com/office/drawing/2010/main">
+                            <a:solidFill>
+                              <a:srgbClr val="FFFFFF"/>
+                            </a:solidFill>
+                          </a14:hiddenFill>
+                        </a:ext>
+                      </a:extLst>
+                    </p:spPr>
+                  </p:pic>
+                </p:oleObj>
+              </mc:Fallback>
+            </mc:AlternateContent>
           </a:graphicData>
         </a:graphic>
       </p:graphicFrame>
@@ -8481,7 +8487,7 @@
     </p:spTree>
     <p:extLst>
       <p:ext uri="{BB962C8B-B14F-4D97-AF65-F5344CB8AC3E}">
-        <p14:creationId xmlns:p14="http://schemas.microsoft.com/office/powerpoint/2010/main" xmlns="" val="3728072305"/>
+        <p14:creationId xmlns:p14="http://schemas.microsoft.com/office/powerpoint/2010/main" val="3728072305"/>
       </p:ext>
     </p:extLst>
   </p:cSld>
@@ -8762,17 +8768,7 @@
                 <a:latin typeface="张海山锐谐体2.0-授权联系：Samtype@QQ.com" panose="02000000000000000000" pitchFamily="2" charset="-122"/>
                 <a:ea typeface="张海山锐谐体2.0-授权联系：Samtype@QQ.com" panose="02000000000000000000" pitchFamily="2" charset="-122"/>
               </a:rPr>
-              <a:t>2</a:t>
-            </a:r>
-            <a:r>
-              <a:rPr lang="en-US" altLang="zh-HK" sz="2800" dirty="0" smtClean="0">
-                <a:solidFill>
-                  <a:schemeClr val="bg1"/>
-                </a:solidFill>
-                <a:latin typeface="张海山锐谐体2.0-授权联系：Samtype@QQ.com" panose="02000000000000000000" pitchFamily="2" charset="-122"/>
-                <a:ea typeface="张海山锐谐体2.0-授权联系：Samtype@QQ.com" panose="02000000000000000000" pitchFamily="2" charset="-122"/>
-              </a:rPr>
-              <a:t>.</a:t>
+              <a:t>2.</a:t>
             </a:r>
             <a:r>
               <a:rPr lang="zh-CN" altLang="en-US" sz="2800" dirty="0" smtClean="0">
@@ -8782,17 +8778,7 @@
                 <a:latin typeface="张海山锐谐体2.0-授权联系：Samtype@QQ.com" panose="02000000000000000000" pitchFamily="2" charset="-122"/>
                 <a:ea typeface="张海山锐谐体2.0-授权联系：Samtype@QQ.com" panose="02000000000000000000" pitchFamily="2" charset="-122"/>
               </a:rPr>
-              <a:t>业务流程</a:t>
-            </a:r>
-            <a:r>
-              <a:rPr lang="zh-CN" altLang="en-US" sz="2800" dirty="0" smtClean="0">
-                <a:solidFill>
-                  <a:schemeClr val="bg1"/>
-                </a:solidFill>
-                <a:latin typeface="张海山锐谐体2.0-授权联系：Samtype@QQ.com" panose="02000000000000000000" pitchFamily="2" charset="-122"/>
-                <a:ea typeface="张海山锐谐体2.0-授权联系：Samtype@QQ.com" panose="02000000000000000000" pitchFamily="2" charset="-122"/>
-              </a:rPr>
-              <a:t>分析</a:t>
+              <a:t>业务流程分析</a:t>
             </a:r>
             <a:endParaRPr lang="zh-HK" altLang="en-US" sz="2800" dirty="0">
               <a:solidFill>
@@ -8941,16 +8927,66 @@
         </p:xfrm>
         <a:graphic>
           <a:graphicData uri="http://schemas.openxmlformats.org/presentationml/2006/ole">
-            <p:oleObj spid="_x0000_s120835" name="Visio" r:id="rId3" imgW="8972178" imgH="8036013" progId="Visio.Drawing.6">
-              <p:embed/>
-            </p:oleObj>
+            <mc:AlternateContent xmlns:mc="http://schemas.openxmlformats.org/markup-compatibility/2006">
+              <mc:Choice xmlns:v="urn:schemas-microsoft-com:vml" Requires="v">
+                <p:oleObj spid="_x0000_s120838" name="Visio" r:id="rId3" imgW="8972178" imgH="8036013" progId="Visio.Drawing.6">
+                  <p:embed/>
+                </p:oleObj>
+              </mc:Choice>
+              <mc:Fallback>
+                <p:oleObj name="Visio" r:id="rId3" imgW="8972178" imgH="8036013" progId="Visio.Drawing.6">
+                  <p:embed/>
+                  <p:pic>
+                    <p:nvPicPr>
+                      <p:cNvPr id="0" name="Picture 3"/>
+                      <p:cNvPicPr>
+                        <a:picLocks noChangeAspect="1" noChangeArrowheads="1"/>
+                      </p:cNvPicPr>
+                      <p:nvPr/>
+                    </p:nvPicPr>
+                    <p:blipFill>
+                      <a:blip r:embed="rId4">
+                        <a:extLst>
+                          <a:ext uri="{28A0092B-C50C-407E-A947-70E740481C1C}">
+                            <a14:useLocalDpi xmlns:a14="http://schemas.microsoft.com/office/drawing/2010/main" val="0"/>
+                          </a:ext>
+                        </a:extLst>
+                      </a:blip>
+                      <a:srcRect/>
+                      <a:stretch>
+                        <a:fillRect/>
+                      </a:stretch>
+                    </p:blipFill>
+                    <p:spPr bwMode="auto">
+                      <a:xfrm>
+                        <a:off x="5718628" y="608275"/>
+                        <a:ext cx="5544458" cy="5545781"/>
+                      </a:xfrm>
+                      <a:prstGeom prst="rect">
+                        <a:avLst/>
+                      </a:prstGeom>
+                      <a:noFill/>
+                      <a:extLst>
+                        <a:ext uri="{909E8E84-426E-40DD-AFC4-6F175D3DCCD1}">
+                          <a14:hiddenFill xmlns:a14="http://schemas.microsoft.com/office/drawing/2010/main">
+                            <a:solidFill>
+                              <a:srgbClr val="FFFFFF"/>
+                            </a:solidFill>
+                          </a14:hiddenFill>
+                        </a:ext>
+                      </a:extLst>
+                    </p:spPr>
+                  </p:pic>
+                </p:oleObj>
+              </mc:Fallback>
+            </mc:AlternateContent>
           </a:graphicData>
         </a:graphic>
       </p:graphicFrame>
     </p:spTree>
     <p:extLst>
       <p:ext uri="{BB962C8B-B14F-4D97-AF65-F5344CB8AC3E}">
-        <p14:creationId xmlns:p14="http://schemas.microsoft.com/office/powerpoint/2010/main" xmlns="" val="3728072305"/>
+        <p14:creationId xmlns:p14="http://schemas.microsoft.com/office/powerpoint/2010/main" val="3728072305"/>
       </p:ext>
     </p:extLst>
   </p:cSld>
@@ -9231,17 +9267,7 @@
                 <a:latin typeface="张海山锐谐体2.0-授权联系：Samtype@QQ.com" panose="02000000000000000000" pitchFamily="2" charset="-122"/>
                 <a:ea typeface="张海山锐谐体2.0-授权联系：Samtype@QQ.com" panose="02000000000000000000" pitchFamily="2" charset="-122"/>
               </a:rPr>
-              <a:t>3</a:t>
-            </a:r>
-            <a:r>
-              <a:rPr lang="en-US" altLang="zh-HK" sz="2800" dirty="0" smtClean="0">
-                <a:solidFill>
-                  <a:schemeClr val="bg1"/>
-                </a:solidFill>
-                <a:latin typeface="张海山锐谐体2.0-授权联系：Samtype@QQ.com" panose="02000000000000000000" pitchFamily="2" charset="-122"/>
-                <a:ea typeface="张海山锐谐体2.0-授权联系：Samtype@QQ.com" panose="02000000000000000000" pitchFamily="2" charset="-122"/>
-              </a:rPr>
-              <a:t>.</a:t>
+              <a:t>3.</a:t>
             </a:r>
             <a:r>
               <a:rPr lang="zh-CN" altLang="en-US" sz="2800" dirty="0" smtClean="0">
@@ -9251,27 +9277,7 @@
                 <a:latin typeface="张海山锐谐体2.0-授权联系：Samtype@QQ.com" panose="02000000000000000000" pitchFamily="2" charset="-122"/>
                 <a:ea typeface="张海山锐谐体2.0-授权联系：Samtype@QQ.com" panose="02000000000000000000" pitchFamily="2" charset="-122"/>
               </a:rPr>
-              <a:t>系统</a:t>
-            </a:r>
-            <a:r>
-              <a:rPr lang="zh-CN" altLang="en-US" sz="2800" dirty="0" smtClean="0">
-                <a:solidFill>
-                  <a:schemeClr val="bg1"/>
-                </a:solidFill>
-                <a:latin typeface="张海山锐谐体2.0-授权联系：Samtype@QQ.com" panose="02000000000000000000" pitchFamily="2" charset="-122"/>
-                <a:ea typeface="张海山锐谐体2.0-授权联系：Samtype@QQ.com" panose="02000000000000000000" pitchFamily="2" charset="-122"/>
-              </a:rPr>
-              <a:t>流程</a:t>
-            </a:r>
-            <a:r>
-              <a:rPr lang="zh-CN" altLang="en-US" sz="2800" dirty="0" smtClean="0">
-                <a:solidFill>
-                  <a:schemeClr val="bg1"/>
-                </a:solidFill>
-                <a:latin typeface="张海山锐谐体2.0-授权联系：Samtype@QQ.com" panose="02000000000000000000" pitchFamily="2" charset="-122"/>
-                <a:ea typeface="张海山锐谐体2.0-授权联系：Samtype@QQ.com" panose="02000000000000000000" pitchFamily="2" charset="-122"/>
-              </a:rPr>
-              <a:t>分析</a:t>
+              <a:t>系统流程分析</a:t>
             </a:r>
             <a:endParaRPr lang="zh-HK" altLang="en-US" sz="2800" dirty="0">
               <a:solidFill>
@@ -9458,16 +9464,66 @@
         </p:xfrm>
         <a:graphic>
           <a:graphicData uri="http://schemas.openxmlformats.org/presentationml/2006/ole">
-            <p:oleObj spid="_x0000_s121859" name="Visio" r:id="rId3" imgW="4547424" imgH="4128904" progId="Visio.Drawing.6">
-              <p:embed/>
-            </p:oleObj>
+            <mc:AlternateContent xmlns:mc="http://schemas.openxmlformats.org/markup-compatibility/2006">
+              <mc:Choice xmlns:v="urn:schemas-microsoft-com:vml" Requires="v">
+                <p:oleObj spid="_x0000_s121862" name="Visio" r:id="rId3" imgW="4547424" imgH="4128904" progId="Visio.Drawing.6">
+                  <p:embed/>
+                </p:oleObj>
+              </mc:Choice>
+              <mc:Fallback>
+                <p:oleObj name="Visio" r:id="rId3" imgW="4547424" imgH="4128904" progId="Visio.Drawing.6">
+                  <p:embed/>
+                  <p:pic>
+                    <p:nvPicPr>
+                      <p:cNvPr id="0" name="Picture 3"/>
+                      <p:cNvPicPr>
+                        <a:picLocks noChangeAspect="1" noChangeArrowheads="1"/>
+                      </p:cNvPicPr>
+                      <p:nvPr/>
+                    </p:nvPicPr>
+                    <p:blipFill>
+                      <a:blip r:embed="rId4">
+                        <a:extLst>
+                          <a:ext uri="{28A0092B-C50C-407E-A947-70E740481C1C}">
+                            <a14:useLocalDpi xmlns:a14="http://schemas.microsoft.com/office/drawing/2010/main" val="0"/>
+                          </a:ext>
+                        </a:extLst>
+                      </a:blip>
+                      <a:srcRect/>
+                      <a:stretch>
+                        <a:fillRect/>
+                      </a:stretch>
+                    </p:blipFill>
+                    <p:spPr bwMode="auto">
+                      <a:xfrm>
+                        <a:off x="5007429" y="598059"/>
+                        <a:ext cx="6415313" cy="5836313"/>
+                      </a:xfrm>
+                      <a:prstGeom prst="rect">
+                        <a:avLst/>
+                      </a:prstGeom>
+                      <a:noFill/>
+                      <a:extLst>
+                        <a:ext uri="{909E8E84-426E-40DD-AFC4-6F175D3DCCD1}">
+                          <a14:hiddenFill xmlns:a14="http://schemas.microsoft.com/office/drawing/2010/main">
+                            <a:solidFill>
+                              <a:srgbClr val="FFFFFF"/>
+                            </a:solidFill>
+                          </a14:hiddenFill>
+                        </a:ext>
+                      </a:extLst>
+                    </p:spPr>
+                  </p:pic>
+                </p:oleObj>
+              </mc:Fallback>
+            </mc:AlternateContent>
           </a:graphicData>
         </a:graphic>
       </p:graphicFrame>
     </p:spTree>
     <p:extLst>
       <p:ext uri="{BB962C8B-B14F-4D97-AF65-F5344CB8AC3E}">
-        <p14:creationId xmlns:p14="http://schemas.microsoft.com/office/powerpoint/2010/main" xmlns="" val="3728072305"/>
+        <p14:creationId xmlns:p14="http://schemas.microsoft.com/office/powerpoint/2010/main" val="3728072305"/>
       </p:ext>
     </p:extLst>
   </p:cSld>
@@ -10473,7 +10529,7 @@
     </p:spTree>
     <p:extLst>
       <p:ext uri="{BB962C8B-B14F-4D97-AF65-F5344CB8AC3E}">
-        <p14:creationId xmlns:p14="http://schemas.microsoft.com/office/powerpoint/2010/main" xmlns="" val="2340829850"/>
+        <p14:creationId xmlns:p14="http://schemas.microsoft.com/office/powerpoint/2010/main" val="2340829850"/>
       </p:ext>
     </p:extLst>
   </p:cSld>
@@ -15401,7 +15457,7 @@
         </p:nvSpPr>
         <p:spPr>
           <a:xfrm>
-            <a:off x="2452914" y="391886"/>
+            <a:off x="2407920" y="356205"/>
             <a:ext cx="2685143" cy="461665"/>
           </a:xfrm>
           <a:prstGeom prst="rect">
@@ -15416,8 +15472,8 @@
           <a:lstStyle/>
           <a:p>
             <a:r>
-              <a:rPr lang="zh-CN" altLang="en-US" sz="2400" dirty="0" smtClean="0"/>
-              <a:t>校友数据字典</a:t>
+              <a:rPr lang="zh-CN" altLang="en-US" sz="2400" smtClean="0"/>
+              <a:t>校友表</a:t>
             </a:r>
             <a:endParaRPr lang="zh-CN" altLang="en-US" sz="2400" dirty="0"/>
           </a:p>
@@ -15426,7 +15482,7 @@
     </p:spTree>
     <p:extLst>
       <p:ext uri="{BB962C8B-B14F-4D97-AF65-F5344CB8AC3E}">
-        <p14:creationId xmlns:p14="http://schemas.microsoft.com/office/powerpoint/2010/main" xmlns="" val="3686658049"/>
+        <p14:creationId xmlns:p14="http://schemas.microsoft.com/office/powerpoint/2010/main" val="3686658049"/>
       </p:ext>
     </p:extLst>
   </p:cSld>
@@ -19193,7 +19249,7 @@
     </p:spTree>
     <p:extLst>
       <p:ext uri="{BB962C8B-B14F-4D97-AF65-F5344CB8AC3E}">
-        <p14:creationId xmlns:p14="http://schemas.microsoft.com/office/powerpoint/2010/main" xmlns="" val="3686658049"/>
+        <p14:creationId xmlns:p14="http://schemas.microsoft.com/office/powerpoint/2010/main" val="3686658049"/>
       </p:ext>
     </p:extLst>
   </p:cSld>
@@ -22944,7 +23000,7 @@
     </p:spTree>
     <p:extLst>
       <p:ext uri="{BB962C8B-B14F-4D97-AF65-F5344CB8AC3E}">
-        <p14:creationId xmlns:p14="http://schemas.microsoft.com/office/powerpoint/2010/main" xmlns="" val="3686658049"/>
+        <p14:creationId xmlns:p14="http://schemas.microsoft.com/office/powerpoint/2010/main" val="3686658049"/>
       </p:ext>
     </p:extLst>
   </p:cSld>
@@ -24694,7 +24750,7 @@
     </p:spTree>
     <p:extLst>
       <p:ext uri="{BB962C8B-B14F-4D97-AF65-F5344CB8AC3E}">
-        <p14:creationId xmlns:p14="http://schemas.microsoft.com/office/powerpoint/2010/main" xmlns="" val="3686658049"/>
+        <p14:creationId xmlns:p14="http://schemas.microsoft.com/office/powerpoint/2010/main" val="3686658049"/>
       </p:ext>
     </p:extLst>
   </p:cSld>
@@ -26041,7 +26097,7 @@
     </p:spTree>
     <p:extLst>
       <p:ext uri="{BB962C8B-B14F-4D97-AF65-F5344CB8AC3E}">
-        <p14:creationId xmlns:p14="http://schemas.microsoft.com/office/powerpoint/2010/main" xmlns="" val="2204177944"/>
+        <p14:creationId xmlns:p14="http://schemas.microsoft.com/office/powerpoint/2010/main" val="2204177944"/>
       </p:ext>
     </p:extLst>
   </p:cSld>
@@ -28501,7 +28557,7 @@
     </p:spTree>
     <p:extLst>
       <p:ext uri="{BB962C8B-B14F-4D97-AF65-F5344CB8AC3E}">
-        <p14:creationId xmlns:p14="http://schemas.microsoft.com/office/powerpoint/2010/main" xmlns="" val="3686658049"/>
+        <p14:creationId xmlns:p14="http://schemas.microsoft.com/office/powerpoint/2010/main" val="3686658049"/>
       </p:ext>
     </p:extLst>
   </p:cSld>
@@ -30606,7 +30662,7 @@
     </p:spTree>
     <p:extLst>
       <p:ext uri="{BB962C8B-B14F-4D97-AF65-F5344CB8AC3E}">
-        <p14:creationId xmlns:p14="http://schemas.microsoft.com/office/powerpoint/2010/main" xmlns="" val="3686658049"/>
+        <p14:creationId xmlns:p14="http://schemas.microsoft.com/office/powerpoint/2010/main" val="3686658049"/>
       </p:ext>
     </p:extLst>
   </p:cSld>
@@ -30624,6 +30680,480 @@
 </file>
 
 <file path=ppt/slides/slide22.xml><?xml version="1.0" encoding="utf-8"?>
+<p:sld xmlns:a="http://schemas.openxmlformats.org/drawingml/2006/main" xmlns:r="http://schemas.openxmlformats.org/officeDocument/2006/relationships" xmlns:p="http://schemas.openxmlformats.org/presentationml/2006/main">
+  <p:cSld>
+    <p:spTree>
+      <p:nvGrpSpPr>
+        <p:cNvPr id="1" name=""/>
+        <p:cNvGrpSpPr/>
+        <p:nvPr/>
+      </p:nvGrpSpPr>
+      <p:grpSpPr>
+        <a:xfrm>
+          <a:off x="0" y="0"/>
+          <a:ext cx="0" cy="0"/>
+          <a:chOff x="0" y="0"/>
+          <a:chExt cx="0" cy="0"/>
+        </a:xfrm>
+      </p:grpSpPr>
+      <p:sp>
+        <p:nvSpPr>
+          <p:cNvPr id="2" name="矩形 3"/>
+          <p:cNvSpPr/>
+          <p:nvPr/>
+        </p:nvSpPr>
+        <p:spPr>
+          <a:xfrm>
+            <a:off x="0" y="259080"/>
+            <a:ext cx="2392680" cy="655320"/>
+          </a:xfrm>
+          <a:custGeom>
+            <a:avLst/>
+            <a:gdLst>
+              <a:gd name="connsiteX0" fmla="*/ 0 w 2392680"/>
+              <a:gd name="connsiteY0" fmla="*/ 0 h 655320"/>
+              <a:gd name="connsiteX1" fmla="*/ 2392680 w 2392680"/>
+              <a:gd name="connsiteY1" fmla="*/ 0 h 655320"/>
+              <a:gd name="connsiteX2" fmla="*/ 2392680 w 2392680"/>
+              <a:gd name="connsiteY2" fmla="*/ 655320 h 655320"/>
+              <a:gd name="connsiteX3" fmla="*/ 0 w 2392680"/>
+              <a:gd name="connsiteY3" fmla="*/ 655320 h 655320"/>
+              <a:gd name="connsiteX4" fmla="*/ 0 w 2392680"/>
+              <a:gd name="connsiteY4" fmla="*/ 0 h 655320"/>
+              <a:gd name="connsiteX0" fmla="*/ 0 w 2392680"/>
+              <a:gd name="connsiteY0" fmla="*/ 0 h 655320"/>
+              <a:gd name="connsiteX1" fmla="*/ 2392680 w 2392680"/>
+              <a:gd name="connsiteY1" fmla="*/ 0 h 655320"/>
+              <a:gd name="connsiteX2" fmla="*/ 2237697 w 2392680"/>
+              <a:gd name="connsiteY2" fmla="*/ 655320 h 655320"/>
+              <a:gd name="connsiteX3" fmla="*/ 0 w 2392680"/>
+              <a:gd name="connsiteY3" fmla="*/ 655320 h 655320"/>
+              <a:gd name="connsiteX4" fmla="*/ 0 w 2392680"/>
+              <a:gd name="connsiteY4" fmla="*/ 0 h 655320"/>
+            </a:gdLst>
+            <a:ahLst/>
+            <a:cxnLst>
+              <a:cxn ang="0">
+                <a:pos x="connsiteX0" y="connsiteY0"/>
+              </a:cxn>
+              <a:cxn ang="0">
+                <a:pos x="connsiteX1" y="connsiteY1"/>
+              </a:cxn>
+              <a:cxn ang="0">
+                <a:pos x="connsiteX2" y="connsiteY2"/>
+              </a:cxn>
+              <a:cxn ang="0">
+                <a:pos x="connsiteX3" y="connsiteY3"/>
+              </a:cxn>
+              <a:cxn ang="0">
+                <a:pos x="connsiteX4" y="connsiteY4"/>
+              </a:cxn>
+            </a:cxnLst>
+            <a:rect l="l" t="t" r="r" b="b"/>
+            <a:pathLst>
+              <a:path w="2392680" h="655320">
+                <a:moveTo>
+                  <a:pt x="0" y="0"/>
+                </a:moveTo>
+                <a:lnTo>
+                  <a:pt x="2392680" y="0"/>
+                </a:lnTo>
+                <a:lnTo>
+                  <a:pt x="2237697" y="655320"/>
+                </a:lnTo>
+                <a:lnTo>
+                  <a:pt x="0" y="655320"/>
+                </a:lnTo>
+                <a:lnTo>
+                  <a:pt x="0" y="0"/>
+                </a:lnTo>
+                <a:close/>
+              </a:path>
+            </a:pathLst>
+          </a:custGeom>
+          <a:solidFill>
+            <a:srgbClr val="27A98C">
+              <a:alpha val="56000"/>
+            </a:srgbClr>
+          </a:solidFill>
+          <a:ln>
+            <a:noFill/>
+          </a:ln>
+        </p:spPr>
+        <p:style>
+          <a:lnRef idx="2">
+            <a:schemeClr val="accent1">
+              <a:shade val="50000"/>
+            </a:schemeClr>
+          </a:lnRef>
+          <a:fillRef idx="1">
+            <a:schemeClr val="accent1"/>
+          </a:fillRef>
+          <a:effectRef idx="0">
+            <a:schemeClr val="accent1"/>
+          </a:effectRef>
+          <a:fontRef idx="minor">
+            <a:schemeClr val="lt1"/>
+          </a:fontRef>
+        </p:style>
+        <p:txBody>
+          <a:bodyPr rtlCol="0" anchor="ctr"/>
+          <a:lstStyle/>
+          <a:p>
+            <a:pPr algn="ctr"/>
+            <a:endParaRPr lang="zh-HK" altLang="en-US"/>
+          </a:p>
+        </p:txBody>
+      </p:sp>
+      <p:sp>
+        <p:nvSpPr>
+          <p:cNvPr id="3" name="矩形 2"/>
+          <p:cNvSpPr/>
+          <p:nvPr/>
+        </p:nvSpPr>
+        <p:spPr>
+          <a:xfrm>
+            <a:off x="-1" y="198120"/>
+            <a:ext cx="3553691" cy="716280"/>
+          </a:xfrm>
+          <a:custGeom>
+            <a:avLst/>
+            <a:gdLst>
+              <a:gd name="connsiteX0" fmla="*/ 0 w 2392680"/>
+              <a:gd name="connsiteY0" fmla="*/ 0 h 716280"/>
+              <a:gd name="connsiteX1" fmla="*/ 2392680 w 2392680"/>
+              <a:gd name="connsiteY1" fmla="*/ 0 h 716280"/>
+              <a:gd name="connsiteX2" fmla="*/ 2392680 w 2392680"/>
+              <a:gd name="connsiteY2" fmla="*/ 716280 h 716280"/>
+              <a:gd name="connsiteX3" fmla="*/ 0 w 2392680"/>
+              <a:gd name="connsiteY3" fmla="*/ 716280 h 716280"/>
+              <a:gd name="connsiteX4" fmla="*/ 0 w 2392680"/>
+              <a:gd name="connsiteY4" fmla="*/ 0 h 716280"/>
+              <a:gd name="connsiteX0" fmla="*/ 0 w 2392680"/>
+              <a:gd name="connsiteY0" fmla="*/ 0 h 716280"/>
+              <a:gd name="connsiteX1" fmla="*/ 2392680 w 2392680"/>
+              <a:gd name="connsiteY1" fmla="*/ 0 h 716280"/>
+              <a:gd name="connsiteX2" fmla="*/ 1996440 w 2392680"/>
+              <a:gd name="connsiteY2" fmla="*/ 716280 h 716280"/>
+              <a:gd name="connsiteX3" fmla="*/ 0 w 2392680"/>
+              <a:gd name="connsiteY3" fmla="*/ 716280 h 716280"/>
+              <a:gd name="connsiteX4" fmla="*/ 0 w 2392680"/>
+              <a:gd name="connsiteY4" fmla="*/ 0 h 716280"/>
+            </a:gdLst>
+            <a:ahLst/>
+            <a:cxnLst>
+              <a:cxn ang="0">
+                <a:pos x="connsiteX0" y="connsiteY0"/>
+              </a:cxn>
+              <a:cxn ang="0">
+                <a:pos x="connsiteX1" y="connsiteY1"/>
+              </a:cxn>
+              <a:cxn ang="0">
+                <a:pos x="connsiteX2" y="connsiteY2"/>
+              </a:cxn>
+              <a:cxn ang="0">
+                <a:pos x="connsiteX3" y="connsiteY3"/>
+              </a:cxn>
+              <a:cxn ang="0">
+                <a:pos x="connsiteX4" y="connsiteY4"/>
+              </a:cxn>
+            </a:cxnLst>
+            <a:rect l="l" t="t" r="r" b="b"/>
+            <a:pathLst>
+              <a:path w="2392680" h="716280">
+                <a:moveTo>
+                  <a:pt x="0" y="0"/>
+                </a:moveTo>
+                <a:lnTo>
+                  <a:pt x="2392680" y="0"/>
+                </a:lnTo>
+                <a:lnTo>
+                  <a:pt x="1996440" y="716280"/>
+                </a:lnTo>
+                <a:lnTo>
+                  <a:pt x="0" y="716280"/>
+                </a:lnTo>
+                <a:lnTo>
+                  <a:pt x="0" y="0"/>
+                </a:lnTo>
+                <a:close/>
+              </a:path>
+            </a:pathLst>
+          </a:custGeom>
+          <a:solidFill>
+            <a:srgbClr val="27A98C"/>
+          </a:solidFill>
+          <a:ln>
+            <a:noFill/>
+          </a:ln>
+        </p:spPr>
+        <p:style>
+          <a:lnRef idx="2">
+            <a:schemeClr val="accent1">
+              <a:shade val="50000"/>
+            </a:schemeClr>
+          </a:lnRef>
+          <a:fillRef idx="1">
+            <a:schemeClr val="accent1"/>
+          </a:fillRef>
+          <a:effectRef idx="0">
+            <a:schemeClr val="accent1"/>
+          </a:effectRef>
+          <a:fontRef idx="minor">
+            <a:schemeClr val="lt1"/>
+          </a:fontRef>
+        </p:style>
+        <p:txBody>
+          <a:bodyPr rtlCol="0" anchor="ctr"/>
+          <a:lstStyle/>
+          <a:p>
+            <a:pPr algn="ctr"/>
+            <a:endParaRPr lang="zh-HK" altLang="en-US"/>
+          </a:p>
+        </p:txBody>
+      </p:sp>
+      <p:sp>
+        <p:nvSpPr>
+          <p:cNvPr id="4" name="文本框 3"/>
+          <p:cNvSpPr txBox="1"/>
+          <p:nvPr/>
+        </p:nvSpPr>
+        <p:spPr>
+          <a:xfrm>
+            <a:off x="0" y="253086"/>
+            <a:ext cx="2992582" cy="523220"/>
+          </a:xfrm>
+          <a:prstGeom prst="rect">
+            <a:avLst/>
+          </a:prstGeom>
+          <a:noFill/>
+        </p:spPr>
+        <p:txBody>
+          <a:bodyPr wrap="square" rtlCol="0">
+            <a:spAutoFit/>
+          </a:bodyPr>
+          <a:lstStyle/>
+          <a:p>
+            <a:pPr algn="ctr"/>
+            <a:r>
+              <a:rPr lang="zh-CN" altLang="en-US" sz="2800" b="1" dirty="0" smtClean="0">
+                <a:solidFill>
+                  <a:schemeClr val="bg1"/>
+                </a:solidFill>
+                <a:latin typeface="张海山锐谐体2.0-授权联系：Samtype@QQ.com" panose="02000000000000000000" pitchFamily="2" charset="-122"/>
+                <a:ea typeface="张海山锐谐体2.0-授权联系：Samtype@QQ.com" panose="02000000000000000000" pitchFamily="2" charset="-122"/>
+              </a:rPr>
+              <a:t>数据库逻辑模型</a:t>
+            </a:r>
+            <a:endParaRPr lang="zh-HK" altLang="en-US" sz="2800" b="1" dirty="0">
+              <a:solidFill>
+                <a:schemeClr val="bg1"/>
+              </a:solidFill>
+              <a:latin typeface="张海山锐谐体2.0-授权联系：Samtype@QQ.com" panose="02000000000000000000" pitchFamily="2" charset="-122"/>
+              <a:ea typeface="张海山锐谐体2.0-授权联系：Samtype@QQ.com" panose="02000000000000000000" pitchFamily="2" charset="-122"/>
+            </a:endParaRPr>
+          </a:p>
+        </p:txBody>
+      </p:sp>
+      <p:sp>
+        <p:nvSpPr>
+          <p:cNvPr id="8" name="文本框 7"/>
+          <p:cNvSpPr txBox="1"/>
+          <p:nvPr/>
+        </p:nvSpPr>
+        <p:spPr>
+          <a:xfrm>
+            <a:off x="5021946" y="5096036"/>
+            <a:ext cx="7692572" cy="584775"/>
+          </a:xfrm>
+          <a:prstGeom prst="rect">
+            <a:avLst/>
+          </a:prstGeom>
+          <a:noFill/>
+        </p:spPr>
+        <p:txBody>
+          <a:bodyPr wrap="square" rtlCol="0">
+            <a:spAutoFit/>
+          </a:bodyPr>
+          <a:lstStyle/>
+          <a:p>
+            <a:endParaRPr lang="zh-HK" altLang="en-US" sz="3200" dirty="0">
+              <a:solidFill>
+                <a:srgbClr val="249C82"/>
+              </a:solidFill>
+              <a:latin typeface="张海山锐谐体2.0-授权联系：Samtype@QQ.com" panose="02000000000000000000" pitchFamily="2" charset="-122"/>
+              <a:ea typeface="张海山锐谐体2.0-授权联系：Samtype@QQ.com" panose="02000000000000000000" pitchFamily="2" charset="-122"/>
+            </a:endParaRPr>
+          </a:p>
+        </p:txBody>
+      </p:sp>
+      <p:sp>
+        <p:nvSpPr>
+          <p:cNvPr id="50178" name="Rectangle 2"/>
+          <p:cNvSpPr>
+            <a:spLocks noChangeArrowheads="1"/>
+          </p:cNvSpPr>
+          <p:nvPr/>
+        </p:nvSpPr>
+        <p:spPr bwMode="auto">
+          <a:xfrm>
+            <a:off x="0" y="0"/>
+            <a:ext cx="12192000" cy="0"/>
+          </a:xfrm>
+          <a:prstGeom prst="rect">
+            <a:avLst/>
+          </a:prstGeom>
+          <a:noFill/>
+          <a:ln w="9525">
+            <a:noFill/>
+            <a:miter lim="800000"/>
+            <a:headEnd/>
+            <a:tailEnd/>
+          </a:ln>
+          <a:effectLst/>
+        </p:spPr>
+        <p:txBody>
+          <a:bodyPr vert="horz" wrap="none" lIns="91440" tIns="45720" rIns="91440" bIns="45720" numCol="1" anchor="ctr" anchorCtr="0" compatLnSpc="1">
+            <a:prstTxWarp prst="textNoShape">
+              <a:avLst/>
+            </a:prstTxWarp>
+            <a:spAutoFit/>
+          </a:bodyPr>
+          <a:lstStyle/>
+          <a:p>
+            <a:endParaRPr lang="zh-CN" altLang="en-US"/>
+          </a:p>
+        </p:txBody>
+      </p:sp>
+      <p:sp>
+        <p:nvSpPr>
+          <p:cNvPr id="50180" name="Rectangle 4"/>
+          <p:cNvSpPr>
+            <a:spLocks noChangeArrowheads="1"/>
+          </p:cNvSpPr>
+          <p:nvPr/>
+        </p:nvSpPr>
+        <p:spPr bwMode="auto">
+          <a:xfrm>
+            <a:off x="0" y="0"/>
+            <a:ext cx="12192000" cy="0"/>
+          </a:xfrm>
+          <a:prstGeom prst="rect">
+            <a:avLst/>
+          </a:prstGeom>
+          <a:noFill/>
+          <a:ln w="9525">
+            <a:noFill/>
+            <a:miter lim="800000"/>
+            <a:headEnd/>
+            <a:tailEnd/>
+          </a:ln>
+          <a:effectLst/>
+        </p:spPr>
+        <p:txBody>
+          <a:bodyPr vert="horz" wrap="none" lIns="91440" tIns="45720" rIns="91440" bIns="45720" numCol="1" anchor="ctr" anchorCtr="0" compatLnSpc="1">
+            <a:prstTxWarp prst="textNoShape">
+              <a:avLst/>
+            </a:prstTxWarp>
+            <a:spAutoFit/>
+          </a:bodyPr>
+          <a:lstStyle/>
+          <a:p>
+            <a:endParaRPr lang="zh-CN" altLang="en-US"/>
+          </a:p>
+        </p:txBody>
+      </p:sp>
+      <p:graphicFrame>
+        <p:nvGraphicFramePr>
+          <p:cNvPr id="50179" name="Object 3"/>
+          <p:cNvGraphicFramePr>
+            <a:graphicFrameLocks noChangeAspect="1"/>
+          </p:cNvGraphicFramePr>
+          <p:nvPr/>
+        </p:nvGraphicFramePr>
+        <p:xfrm>
+          <a:off x="519545" y="831460"/>
+          <a:ext cx="10972800" cy="5727802"/>
+        </p:xfrm>
+        <a:graphic>
+          <a:graphicData uri="http://schemas.openxmlformats.org/presentationml/2006/ole">
+            <mc:AlternateContent xmlns:mc="http://schemas.openxmlformats.org/markup-compatibility/2006">
+              <mc:Choice xmlns:v="urn:schemas-microsoft-com:vml" Requires="v">
+                <p:oleObj spid="_x0000_s50182" name="Visio" r:id="rId3" imgW="4761217" imgH="2488788" progId="Visio.Drawing.6">
+                  <p:embed/>
+                </p:oleObj>
+              </mc:Choice>
+              <mc:Fallback>
+                <p:oleObj name="Visio" r:id="rId3" imgW="4761217" imgH="2488788" progId="Visio.Drawing.6">
+                  <p:embed/>
+                  <p:pic>
+                    <p:nvPicPr>
+                      <p:cNvPr id="0" name="Picture 3"/>
+                      <p:cNvPicPr>
+                        <a:picLocks noChangeAspect="1" noChangeArrowheads="1"/>
+                      </p:cNvPicPr>
+                      <p:nvPr/>
+                    </p:nvPicPr>
+                    <p:blipFill>
+                      <a:blip r:embed="rId4">
+                        <a:extLst>
+                          <a:ext uri="{28A0092B-C50C-407E-A947-70E740481C1C}">
+                            <a14:useLocalDpi xmlns:a14="http://schemas.microsoft.com/office/drawing/2010/main" val="0"/>
+                          </a:ext>
+                        </a:extLst>
+                      </a:blip>
+                      <a:srcRect/>
+                      <a:stretch>
+                        <a:fillRect/>
+                      </a:stretch>
+                    </p:blipFill>
+                    <p:spPr bwMode="auto">
+                      <a:xfrm>
+                        <a:off x="519545" y="831460"/>
+                        <a:ext cx="10972800" cy="5727802"/>
+                      </a:xfrm>
+                      <a:prstGeom prst="rect">
+                        <a:avLst/>
+                      </a:prstGeom>
+                      <a:noFill/>
+                      <a:extLst>
+                        <a:ext uri="{909E8E84-426E-40DD-AFC4-6F175D3DCCD1}">
+                          <a14:hiddenFill xmlns:a14="http://schemas.microsoft.com/office/drawing/2010/main">
+                            <a:solidFill>
+                              <a:srgbClr val="FFFFFF"/>
+                            </a:solidFill>
+                          </a14:hiddenFill>
+                        </a:ext>
+                      </a:extLst>
+                    </p:spPr>
+                  </p:pic>
+                </p:oleObj>
+              </mc:Fallback>
+            </mc:AlternateContent>
+          </a:graphicData>
+        </a:graphic>
+      </p:graphicFrame>
+    </p:spTree>
+    <p:extLst>
+      <p:ext uri="{BB962C8B-B14F-4D97-AF65-F5344CB8AC3E}">
+        <p14:creationId xmlns:p14="http://schemas.microsoft.com/office/powerpoint/2010/main" val="4149713019"/>
+      </p:ext>
+    </p:extLst>
+  </p:cSld>
+  <p:clrMapOvr>
+    <a:masterClrMapping/>
+  </p:clrMapOvr>
+  <p:timing>
+    <p:tnLst>
+      <p:par>
+        <p:cTn id="1" dur="indefinite" restart="never" nodeType="tmRoot"/>
+      </p:par>
+    </p:tnLst>
+  </p:timing>
+</p:sld>
+</file>
+
+<file path=ppt/slides/slide23.xml><?xml version="1.0" encoding="utf-8"?>
 <p:sld xmlns:a="http://schemas.openxmlformats.org/drawingml/2006/main" xmlns:r="http://schemas.openxmlformats.org/officeDocument/2006/relationships" xmlns:p="http://schemas.openxmlformats.org/presentationml/2006/main">
   <p:cSld>
     <p:spTree>
@@ -30969,430 +31499,6 @@
           </a:p>
         </p:txBody>
       </p:sp>
-      <p:sp>
-        <p:nvSpPr>
-          <p:cNvPr id="50180" name="Rectangle 4"/>
-          <p:cNvSpPr>
-            <a:spLocks noChangeArrowheads="1"/>
-          </p:cNvSpPr>
-          <p:nvPr/>
-        </p:nvSpPr>
-        <p:spPr bwMode="auto">
-          <a:xfrm>
-            <a:off x="0" y="0"/>
-            <a:ext cx="12192000" cy="0"/>
-          </a:xfrm>
-          <a:prstGeom prst="rect">
-            <a:avLst/>
-          </a:prstGeom>
-          <a:noFill/>
-          <a:ln w="9525">
-            <a:noFill/>
-            <a:miter lim="800000"/>
-            <a:headEnd/>
-            <a:tailEnd/>
-          </a:ln>
-          <a:effectLst/>
-        </p:spPr>
-        <p:txBody>
-          <a:bodyPr vert="horz" wrap="none" lIns="91440" tIns="45720" rIns="91440" bIns="45720" numCol="1" anchor="ctr" anchorCtr="0" compatLnSpc="1">
-            <a:prstTxWarp prst="textNoShape">
-              <a:avLst/>
-            </a:prstTxWarp>
-            <a:spAutoFit/>
-          </a:bodyPr>
-          <a:lstStyle/>
-          <a:p>
-            <a:endParaRPr lang="zh-CN" altLang="en-US"/>
-          </a:p>
-        </p:txBody>
-      </p:sp>
-      <p:graphicFrame>
-        <p:nvGraphicFramePr>
-          <p:cNvPr id="50179" name="Object 3"/>
-          <p:cNvGraphicFramePr>
-            <a:graphicFrameLocks noChangeAspect="1"/>
-          </p:cNvGraphicFramePr>
-          <p:nvPr/>
-        </p:nvGraphicFramePr>
-        <p:xfrm>
-          <a:off x="519545" y="831460"/>
-          <a:ext cx="10972800" cy="5727802"/>
-        </p:xfrm>
-        <a:graphic>
-          <a:graphicData uri="http://schemas.openxmlformats.org/presentationml/2006/ole">
-            <p:oleObj spid="_x0000_s50179" name="Visio" r:id="rId3" imgW="4761217" imgH="2488788" progId="Visio.Drawing.6">
-              <p:embed/>
-            </p:oleObj>
-          </a:graphicData>
-        </a:graphic>
-      </p:graphicFrame>
-    </p:spTree>
-    <p:extLst>
-      <p:ext uri="{BB962C8B-B14F-4D97-AF65-F5344CB8AC3E}">
-        <p14:creationId xmlns:p14="http://schemas.microsoft.com/office/powerpoint/2010/main" xmlns="" val="4149713019"/>
-      </p:ext>
-    </p:extLst>
-  </p:cSld>
-  <p:clrMapOvr>
-    <a:masterClrMapping/>
-  </p:clrMapOvr>
-  <p:timing>
-    <p:tnLst>
-      <p:par>
-        <p:cTn id="1" dur="indefinite" restart="never" nodeType="tmRoot"/>
-      </p:par>
-    </p:tnLst>
-  </p:timing>
-</p:sld>
-</file>
-
-<file path=ppt/slides/slide23.xml><?xml version="1.0" encoding="utf-8"?>
-<p:sld xmlns:a="http://schemas.openxmlformats.org/drawingml/2006/main" xmlns:r="http://schemas.openxmlformats.org/officeDocument/2006/relationships" xmlns:p="http://schemas.openxmlformats.org/presentationml/2006/main">
-  <p:cSld>
-    <p:spTree>
-      <p:nvGrpSpPr>
-        <p:cNvPr id="1" name=""/>
-        <p:cNvGrpSpPr/>
-        <p:nvPr/>
-      </p:nvGrpSpPr>
-      <p:grpSpPr>
-        <a:xfrm>
-          <a:off x="0" y="0"/>
-          <a:ext cx="0" cy="0"/>
-          <a:chOff x="0" y="0"/>
-          <a:chExt cx="0" cy="0"/>
-        </a:xfrm>
-      </p:grpSpPr>
-      <p:sp>
-        <p:nvSpPr>
-          <p:cNvPr id="2" name="矩形 3"/>
-          <p:cNvSpPr/>
-          <p:nvPr/>
-        </p:nvSpPr>
-        <p:spPr>
-          <a:xfrm>
-            <a:off x="0" y="259080"/>
-            <a:ext cx="2392680" cy="655320"/>
-          </a:xfrm>
-          <a:custGeom>
-            <a:avLst/>
-            <a:gdLst>
-              <a:gd name="connsiteX0" fmla="*/ 0 w 2392680"/>
-              <a:gd name="connsiteY0" fmla="*/ 0 h 655320"/>
-              <a:gd name="connsiteX1" fmla="*/ 2392680 w 2392680"/>
-              <a:gd name="connsiteY1" fmla="*/ 0 h 655320"/>
-              <a:gd name="connsiteX2" fmla="*/ 2392680 w 2392680"/>
-              <a:gd name="connsiteY2" fmla="*/ 655320 h 655320"/>
-              <a:gd name="connsiteX3" fmla="*/ 0 w 2392680"/>
-              <a:gd name="connsiteY3" fmla="*/ 655320 h 655320"/>
-              <a:gd name="connsiteX4" fmla="*/ 0 w 2392680"/>
-              <a:gd name="connsiteY4" fmla="*/ 0 h 655320"/>
-              <a:gd name="connsiteX0" fmla="*/ 0 w 2392680"/>
-              <a:gd name="connsiteY0" fmla="*/ 0 h 655320"/>
-              <a:gd name="connsiteX1" fmla="*/ 2392680 w 2392680"/>
-              <a:gd name="connsiteY1" fmla="*/ 0 h 655320"/>
-              <a:gd name="connsiteX2" fmla="*/ 2237697 w 2392680"/>
-              <a:gd name="connsiteY2" fmla="*/ 655320 h 655320"/>
-              <a:gd name="connsiteX3" fmla="*/ 0 w 2392680"/>
-              <a:gd name="connsiteY3" fmla="*/ 655320 h 655320"/>
-              <a:gd name="connsiteX4" fmla="*/ 0 w 2392680"/>
-              <a:gd name="connsiteY4" fmla="*/ 0 h 655320"/>
-            </a:gdLst>
-            <a:ahLst/>
-            <a:cxnLst>
-              <a:cxn ang="0">
-                <a:pos x="connsiteX0" y="connsiteY0"/>
-              </a:cxn>
-              <a:cxn ang="0">
-                <a:pos x="connsiteX1" y="connsiteY1"/>
-              </a:cxn>
-              <a:cxn ang="0">
-                <a:pos x="connsiteX2" y="connsiteY2"/>
-              </a:cxn>
-              <a:cxn ang="0">
-                <a:pos x="connsiteX3" y="connsiteY3"/>
-              </a:cxn>
-              <a:cxn ang="0">
-                <a:pos x="connsiteX4" y="connsiteY4"/>
-              </a:cxn>
-            </a:cxnLst>
-            <a:rect l="l" t="t" r="r" b="b"/>
-            <a:pathLst>
-              <a:path w="2392680" h="655320">
-                <a:moveTo>
-                  <a:pt x="0" y="0"/>
-                </a:moveTo>
-                <a:lnTo>
-                  <a:pt x="2392680" y="0"/>
-                </a:lnTo>
-                <a:lnTo>
-                  <a:pt x="2237697" y="655320"/>
-                </a:lnTo>
-                <a:lnTo>
-                  <a:pt x="0" y="655320"/>
-                </a:lnTo>
-                <a:lnTo>
-                  <a:pt x="0" y="0"/>
-                </a:lnTo>
-                <a:close/>
-              </a:path>
-            </a:pathLst>
-          </a:custGeom>
-          <a:solidFill>
-            <a:srgbClr val="27A98C">
-              <a:alpha val="56000"/>
-            </a:srgbClr>
-          </a:solidFill>
-          <a:ln>
-            <a:noFill/>
-          </a:ln>
-        </p:spPr>
-        <p:style>
-          <a:lnRef idx="2">
-            <a:schemeClr val="accent1">
-              <a:shade val="50000"/>
-            </a:schemeClr>
-          </a:lnRef>
-          <a:fillRef idx="1">
-            <a:schemeClr val="accent1"/>
-          </a:fillRef>
-          <a:effectRef idx="0">
-            <a:schemeClr val="accent1"/>
-          </a:effectRef>
-          <a:fontRef idx="minor">
-            <a:schemeClr val="lt1"/>
-          </a:fontRef>
-        </p:style>
-        <p:txBody>
-          <a:bodyPr rtlCol="0" anchor="ctr"/>
-          <a:lstStyle/>
-          <a:p>
-            <a:pPr algn="ctr"/>
-            <a:endParaRPr lang="zh-HK" altLang="en-US"/>
-          </a:p>
-        </p:txBody>
-      </p:sp>
-      <p:sp>
-        <p:nvSpPr>
-          <p:cNvPr id="3" name="矩形 2"/>
-          <p:cNvSpPr/>
-          <p:nvPr/>
-        </p:nvSpPr>
-        <p:spPr>
-          <a:xfrm>
-            <a:off x="-1" y="198120"/>
-            <a:ext cx="3553691" cy="716280"/>
-          </a:xfrm>
-          <a:custGeom>
-            <a:avLst/>
-            <a:gdLst>
-              <a:gd name="connsiteX0" fmla="*/ 0 w 2392680"/>
-              <a:gd name="connsiteY0" fmla="*/ 0 h 716280"/>
-              <a:gd name="connsiteX1" fmla="*/ 2392680 w 2392680"/>
-              <a:gd name="connsiteY1" fmla="*/ 0 h 716280"/>
-              <a:gd name="connsiteX2" fmla="*/ 2392680 w 2392680"/>
-              <a:gd name="connsiteY2" fmla="*/ 716280 h 716280"/>
-              <a:gd name="connsiteX3" fmla="*/ 0 w 2392680"/>
-              <a:gd name="connsiteY3" fmla="*/ 716280 h 716280"/>
-              <a:gd name="connsiteX4" fmla="*/ 0 w 2392680"/>
-              <a:gd name="connsiteY4" fmla="*/ 0 h 716280"/>
-              <a:gd name="connsiteX0" fmla="*/ 0 w 2392680"/>
-              <a:gd name="connsiteY0" fmla="*/ 0 h 716280"/>
-              <a:gd name="connsiteX1" fmla="*/ 2392680 w 2392680"/>
-              <a:gd name="connsiteY1" fmla="*/ 0 h 716280"/>
-              <a:gd name="connsiteX2" fmla="*/ 1996440 w 2392680"/>
-              <a:gd name="connsiteY2" fmla="*/ 716280 h 716280"/>
-              <a:gd name="connsiteX3" fmla="*/ 0 w 2392680"/>
-              <a:gd name="connsiteY3" fmla="*/ 716280 h 716280"/>
-              <a:gd name="connsiteX4" fmla="*/ 0 w 2392680"/>
-              <a:gd name="connsiteY4" fmla="*/ 0 h 716280"/>
-            </a:gdLst>
-            <a:ahLst/>
-            <a:cxnLst>
-              <a:cxn ang="0">
-                <a:pos x="connsiteX0" y="connsiteY0"/>
-              </a:cxn>
-              <a:cxn ang="0">
-                <a:pos x="connsiteX1" y="connsiteY1"/>
-              </a:cxn>
-              <a:cxn ang="0">
-                <a:pos x="connsiteX2" y="connsiteY2"/>
-              </a:cxn>
-              <a:cxn ang="0">
-                <a:pos x="connsiteX3" y="connsiteY3"/>
-              </a:cxn>
-              <a:cxn ang="0">
-                <a:pos x="connsiteX4" y="connsiteY4"/>
-              </a:cxn>
-            </a:cxnLst>
-            <a:rect l="l" t="t" r="r" b="b"/>
-            <a:pathLst>
-              <a:path w="2392680" h="716280">
-                <a:moveTo>
-                  <a:pt x="0" y="0"/>
-                </a:moveTo>
-                <a:lnTo>
-                  <a:pt x="2392680" y="0"/>
-                </a:lnTo>
-                <a:lnTo>
-                  <a:pt x="1996440" y="716280"/>
-                </a:lnTo>
-                <a:lnTo>
-                  <a:pt x="0" y="716280"/>
-                </a:lnTo>
-                <a:lnTo>
-                  <a:pt x="0" y="0"/>
-                </a:lnTo>
-                <a:close/>
-              </a:path>
-            </a:pathLst>
-          </a:custGeom>
-          <a:solidFill>
-            <a:srgbClr val="27A98C"/>
-          </a:solidFill>
-          <a:ln>
-            <a:noFill/>
-          </a:ln>
-        </p:spPr>
-        <p:style>
-          <a:lnRef idx="2">
-            <a:schemeClr val="accent1">
-              <a:shade val="50000"/>
-            </a:schemeClr>
-          </a:lnRef>
-          <a:fillRef idx="1">
-            <a:schemeClr val="accent1"/>
-          </a:fillRef>
-          <a:effectRef idx="0">
-            <a:schemeClr val="accent1"/>
-          </a:effectRef>
-          <a:fontRef idx="minor">
-            <a:schemeClr val="lt1"/>
-          </a:fontRef>
-        </p:style>
-        <p:txBody>
-          <a:bodyPr rtlCol="0" anchor="ctr"/>
-          <a:lstStyle/>
-          <a:p>
-            <a:pPr algn="ctr"/>
-            <a:endParaRPr lang="zh-HK" altLang="en-US"/>
-          </a:p>
-        </p:txBody>
-      </p:sp>
-      <p:sp>
-        <p:nvSpPr>
-          <p:cNvPr id="4" name="文本框 3"/>
-          <p:cNvSpPr txBox="1"/>
-          <p:nvPr/>
-        </p:nvSpPr>
-        <p:spPr>
-          <a:xfrm>
-            <a:off x="0" y="253086"/>
-            <a:ext cx="2992582" cy="523220"/>
-          </a:xfrm>
-          <a:prstGeom prst="rect">
-            <a:avLst/>
-          </a:prstGeom>
-          <a:noFill/>
-        </p:spPr>
-        <p:txBody>
-          <a:bodyPr wrap="square" rtlCol="0">
-            <a:spAutoFit/>
-          </a:bodyPr>
-          <a:lstStyle/>
-          <a:p>
-            <a:pPr algn="ctr"/>
-            <a:r>
-              <a:rPr lang="zh-CN" altLang="en-US" sz="2800" b="1" dirty="0" smtClean="0">
-                <a:solidFill>
-                  <a:schemeClr val="bg1"/>
-                </a:solidFill>
-                <a:latin typeface="张海山锐谐体2.0-授权联系：Samtype@QQ.com" panose="02000000000000000000" pitchFamily="2" charset="-122"/>
-                <a:ea typeface="张海山锐谐体2.0-授权联系：Samtype@QQ.com" panose="02000000000000000000" pitchFamily="2" charset="-122"/>
-              </a:rPr>
-              <a:t>数据库逻辑模型</a:t>
-            </a:r>
-            <a:endParaRPr lang="zh-HK" altLang="en-US" sz="2800" b="1" dirty="0">
-              <a:solidFill>
-                <a:schemeClr val="bg1"/>
-              </a:solidFill>
-              <a:latin typeface="张海山锐谐体2.0-授权联系：Samtype@QQ.com" panose="02000000000000000000" pitchFamily="2" charset="-122"/>
-              <a:ea typeface="张海山锐谐体2.0-授权联系：Samtype@QQ.com" panose="02000000000000000000" pitchFamily="2" charset="-122"/>
-            </a:endParaRPr>
-          </a:p>
-        </p:txBody>
-      </p:sp>
-      <p:sp>
-        <p:nvSpPr>
-          <p:cNvPr id="8" name="文本框 7"/>
-          <p:cNvSpPr txBox="1"/>
-          <p:nvPr/>
-        </p:nvSpPr>
-        <p:spPr>
-          <a:xfrm>
-            <a:off x="5021946" y="5096036"/>
-            <a:ext cx="7692572" cy="584775"/>
-          </a:xfrm>
-          <a:prstGeom prst="rect">
-            <a:avLst/>
-          </a:prstGeom>
-          <a:noFill/>
-        </p:spPr>
-        <p:txBody>
-          <a:bodyPr wrap="square" rtlCol="0">
-            <a:spAutoFit/>
-          </a:bodyPr>
-          <a:lstStyle/>
-          <a:p>
-            <a:endParaRPr lang="zh-HK" altLang="en-US" sz="3200" dirty="0">
-              <a:solidFill>
-                <a:srgbClr val="249C82"/>
-              </a:solidFill>
-              <a:latin typeface="张海山锐谐体2.0-授权联系：Samtype@QQ.com" panose="02000000000000000000" pitchFamily="2" charset="-122"/>
-              <a:ea typeface="张海山锐谐体2.0-授权联系：Samtype@QQ.com" panose="02000000000000000000" pitchFamily="2" charset="-122"/>
-            </a:endParaRPr>
-          </a:p>
-        </p:txBody>
-      </p:sp>
-      <p:sp>
-        <p:nvSpPr>
-          <p:cNvPr id="50178" name="Rectangle 2"/>
-          <p:cNvSpPr>
-            <a:spLocks noChangeArrowheads="1"/>
-          </p:cNvSpPr>
-          <p:nvPr/>
-        </p:nvSpPr>
-        <p:spPr bwMode="auto">
-          <a:xfrm>
-            <a:off x="0" y="0"/>
-            <a:ext cx="12192000" cy="0"/>
-          </a:xfrm>
-          <a:prstGeom prst="rect">
-            <a:avLst/>
-          </a:prstGeom>
-          <a:noFill/>
-          <a:ln w="9525">
-            <a:noFill/>
-            <a:miter lim="800000"/>
-            <a:headEnd/>
-            <a:tailEnd/>
-          </a:ln>
-          <a:effectLst/>
-        </p:spPr>
-        <p:txBody>
-          <a:bodyPr vert="horz" wrap="none" lIns="91440" tIns="45720" rIns="91440" bIns="45720" numCol="1" anchor="ctr" anchorCtr="0" compatLnSpc="1">
-            <a:prstTxWarp prst="textNoShape">
-              <a:avLst/>
-            </a:prstTxWarp>
-            <a:spAutoFit/>
-          </a:bodyPr>
-          <a:lstStyle/>
-          <a:p>
-            <a:endParaRPr lang="zh-CN" altLang="en-US"/>
-          </a:p>
-        </p:txBody>
-      </p:sp>
       <p:graphicFrame>
         <p:nvGraphicFramePr>
           <p:cNvPr id="50177" name="Object 1"/>
@@ -31407,16 +31513,66 @@
         </p:xfrm>
         <a:graphic>
           <a:graphicData uri="http://schemas.openxmlformats.org/presentationml/2006/ole">
-            <p:oleObj spid="_x0000_s112642" name="Visio" r:id="rId3" imgW="4590345" imgH="2495536" progId="Visio.Drawing.6">
-              <p:embed/>
-            </p:oleObj>
+            <mc:AlternateContent xmlns:mc="http://schemas.openxmlformats.org/markup-compatibility/2006">
+              <mc:Choice xmlns:v="urn:schemas-microsoft-com:vml" Requires="v">
+                <p:oleObj spid="_x0000_s112645" name="Visio" r:id="rId3" imgW="4590345" imgH="2495536" progId="Visio.Drawing.6">
+                  <p:embed/>
+                </p:oleObj>
+              </mc:Choice>
+              <mc:Fallback>
+                <p:oleObj name="Visio" r:id="rId3" imgW="4590345" imgH="2495536" progId="Visio.Drawing.6">
+                  <p:embed/>
+                  <p:pic>
+                    <p:nvPicPr>
+                      <p:cNvPr id="0" name="Object 1"/>
+                      <p:cNvPicPr>
+                        <a:picLocks noChangeAspect="1" noChangeArrowheads="1"/>
+                      </p:cNvPicPr>
+                      <p:nvPr/>
+                    </p:nvPicPr>
+                    <p:blipFill>
+                      <a:blip r:embed="rId4">
+                        <a:extLst>
+                          <a:ext uri="{28A0092B-C50C-407E-A947-70E740481C1C}">
+                            <a14:useLocalDpi xmlns:a14="http://schemas.microsoft.com/office/drawing/2010/main" val="0"/>
+                          </a:ext>
+                        </a:extLst>
+                      </a:blip>
+                      <a:srcRect/>
+                      <a:stretch>
+                        <a:fillRect/>
+                      </a:stretch>
+                    </p:blipFill>
+                    <p:spPr bwMode="auto">
+                      <a:xfrm>
+                        <a:off x="914401" y="1018309"/>
+                        <a:ext cx="10432473" cy="5481060"/>
+                      </a:xfrm>
+                      <a:prstGeom prst="rect">
+                        <a:avLst/>
+                      </a:prstGeom>
+                      <a:noFill/>
+                      <a:extLst>
+                        <a:ext uri="{909E8E84-426E-40DD-AFC4-6F175D3DCCD1}">
+                          <a14:hiddenFill xmlns:a14="http://schemas.microsoft.com/office/drawing/2010/main">
+                            <a:solidFill>
+                              <a:srgbClr val="FFFFFF"/>
+                            </a:solidFill>
+                          </a14:hiddenFill>
+                        </a:ext>
+                      </a:extLst>
+                    </p:spPr>
+                  </p:pic>
+                </p:oleObj>
+              </mc:Fallback>
+            </mc:AlternateContent>
           </a:graphicData>
         </a:graphic>
       </p:graphicFrame>
     </p:spTree>
     <p:extLst>
       <p:ext uri="{BB962C8B-B14F-4D97-AF65-F5344CB8AC3E}">
-        <p14:creationId xmlns:p14="http://schemas.microsoft.com/office/powerpoint/2010/main" xmlns="" val="4149713019"/>
+        <p14:creationId xmlns:p14="http://schemas.microsoft.com/office/powerpoint/2010/main" val="4149713019"/>
       </p:ext>
     </p:extLst>
   </p:cSld>
@@ -31657,7 +31813,7 @@
           <a:blip r:embed="rId2" cstate="print">
             <a:extLst>
               <a:ext uri="{28A0092B-C50C-407E-A947-70E740481C1C}">
-                <a14:useLocalDpi xmlns:a14="http://schemas.microsoft.com/office/drawing/2010/main" xmlns="" val="0"/>
+                <a14:useLocalDpi xmlns:a14="http://schemas.microsoft.com/office/drawing/2010/main" val="0"/>
               </a:ext>
             </a:extLst>
           </a:blip>
@@ -32202,7 +32358,7 @@
     </p:spTree>
     <p:extLst>
       <p:ext uri="{BB962C8B-B14F-4D97-AF65-F5344CB8AC3E}">
-        <p14:creationId xmlns:p14="http://schemas.microsoft.com/office/powerpoint/2010/main" xmlns="" val="287715597"/>
+        <p14:creationId xmlns:p14="http://schemas.microsoft.com/office/powerpoint/2010/main" val="287715597"/>
       </p:ext>
     </p:extLst>
   </p:cSld>
@@ -33220,7 +33376,7 @@
     </p:spTree>
     <p:extLst>
       <p:ext uri="{BB962C8B-B14F-4D97-AF65-F5344CB8AC3E}">
-        <p14:creationId xmlns:p14="http://schemas.microsoft.com/office/powerpoint/2010/main" xmlns="" val="3203035061"/>
+        <p14:creationId xmlns:p14="http://schemas.microsoft.com/office/powerpoint/2010/main" val="3203035061"/>
       </p:ext>
     </p:extLst>
   </p:cSld>
@@ -33501,17 +33657,7 @@
                 <a:latin typeface="张海山锐谐体2.0-授权联系：Samtype@QQ.com" panose="02000000000000000000" pitchFamily="2" charset="-122"/>
                 <a:ea typeface="张海山锐谐体2.0-授权联系：Samtype@QQ.com" panose="02000000000000000000" pitchFamily="2" charset="-122"/>
               </a:rPr>
-              <a:t>1</a:t>
-            </a:r>
-            <a:r>
-              <a:rPr lang="en-US" altLang="zh-HK" sz="2800" dirty="0" smtClean="0">
-                <a:solidFill>
-                  <a:schemeClr val="bg1"/>
-                </a:solidFill>
-                <a:latin typeface="张海山锐谐体2.0-授权联系：Samtype@QQ.com" panose="02000000000000000000" pitchFamily="2" charset="-122"/>
-                <a:ea typeface="张海山锐谐体2.0-授权联系：Samtype@QQ.com" panose="02000000000000000000" pitchFamily="2" charset="-122"/>
-              </a:rPr>
-              <a:t>.</a:t>
+              <a:t>1.</a:t>
             </a:r>
             <a:r>
               <a:rPr lang="zh-CN" altLang="en-US" sz="2800" dirty="0" smtClean="0">
@@ -34055,7 +34201,7 @@
     </p:spTree>
     <p:extLst>
       <p:ext uri="{BB962C8B-B14F-4D97-AF65-F5344CB8AC3E}">
-        <p14:creationId xmlns:p14="http://schemas.microsoft.com/office/powerpoint/2010/main" xmlns="" val="3728072305"/>
+        <p14:creationId xmlns:p14="http://schemas.microsoft.com/office/powerpoint/2010/main" val="3728072305"/>
       </p:ext>
     </p:extLst>
   </p:cSld>
@@ -35065,7 +35211,7 @@
     </p:spTree>
     <p:extLst>
       <p:ext uri="{BB962C8B-B14F-4D97-AF65-F5344CB8AC3E}">
-        <p14:creationId xmlns:p14="http://schemas.microsoft.com/office/powerpoint/2010/main" xmlns="" val="2387544338"/>
+        <p14:creationId xmlns:p14="http://schemas.microsoft.com/office/powerpoint/2010/main" val="2387544338"/>
       </p:ext>
     </p:extLst>
   </p:cSld>
@@ -35737,14 +35883,7 @@
                 <a:latin typeface="张海山锐谐体2.0-授权联系：Samtype@QQ.com" panose="02000000000000000000" pitchFamily="2" charset="-122"/>
                 <a:ea typeface="张海山锐谐体2.0-授权联系：Samtype@QQ.com" panose="02000000000000000000" pitchFamily="2" charset="-122"/>
               </a:rPr>
-              <a:t>校友范围广，校友资源的人数和容量不断增加</a:t>
-            </a:r>
-            <a:r>
-              <a:rPr lang="zh-CN" altLang="en-US" sz="2400" dirty="0" smtClean="0">
-                <a:latin typeface="张海山锐谐体2.0-授权联系：Samtype@QQ.com" panose="02000000000000000000" pitchFamily="2" charset="-122"/>
-                <a:ea typeface="张海山锐谐体2.0-授权联系：Samtype@QQ.com" panose="02000000000000000000" pitchFamily="2" charset="-122"/>
-              </a:rPr>
-              <a:t> </a:t>
+              <a:t>校友范围广，校友资源的人数和容量不断增加 </a:t>
             </a:r>
             <a:endParaRPr lang="zh-HK" altLang="en-US" sz="2400" dirty="0">
               <a:latin typeface="张海山锐谐体2.0-授权联系：Samtype@QQ.com" panose="02000000000000000000" pitchFamily="2" charset="-122"/>
@@ -35756,7 +35895,7 @@
     </p:spTree>
     <p:extLst>
       <p:ext uri="{BB962C8B-B14F-4D97-AF65-F5344CB8AC3E}">
-        <p14:creationId xmlns:p14="http://schemas.microsoft.com/office/powerpoint/2010/main" xmlns="" val="3206121314"/>
+        <p14:creationId xmlns:p14="http://schemas.microsoft.com/office/powerpoint/2010/main" val="3206121314"/>
       </p:ext>
     </p:extLst>
   </p:cSld>
@@ -36130,9 +36269,6 @@
               </a:rPr>
               <a:t>    因此我们应该采用有效措施增加用户粘度，比如对用户使用积分制，不同积分对应不同等级，最高级别的用户将作为优秀校友受邀回学校访问，并给予一定纪念礼品，以此吸引用户，增加用户活跃度。</a:t>
             </a:r>
-            <a:endParaRPr lang="zh-CN" altLang="en-US" sz="2400" dirty="0" smtClean="0">
-              <a:latin typeface="+mn-ea"/>
-            </a:endParaRPr>
           </a:p>
           <a:p>
             <a:endParaRPr lang="zh-HK" altLang="en-US" sz="2400" dirty="0">
@@ -36187,13 +36323,6 @@
               </a:rPr>
               <a:t>。</a:t>
             </a:r>
-            <a:endParaRPr lang="zh-CN" altLang="en-US" sz="2400" dirty="0" smtClean="0">
-              <a:solidFill>
-                <a:srgbClr val="27A98C"/>
-              </a:solidFill>
-              <a:latin typeface="张海山锐谐体2.0-授权联系：Samtype@QQ.com" panose="02000000000000000000" pitchFamily="2" charset="-122"/>
-              <a:ea typeface="张海山锐谐体2.0-授权联系：Samtype@QQ.com" panose="02000000000000000000" pitchFamily="2" charset="-122"/>
-            </a:endParaRPr>
           </a:p>
           <a:p>
             <a:endParaRPr lang="zh-HK" altLang="en-US" sz="2400" dirty="0">
@@ -36251,7 +36380,7 @@
     </p:spTree>
     <p:extLst>
       <p:ext uri="{BB962C8B-B14F-4D97-AF65-F5344CB8AC3E}">
-        <p14:creationId xmlns:p14="http://schemas.microsoft.com/office/powerpoint/2010/main" xmlns="" val="2684460981"/>
+        <p14:creationId xmlns:p14="http://schemas.microsoft.com/office/powerpoint/2010/main" val="2684460981"/>
       </p:ext>
     </p:extLst>
   </p:cSld>
@@ -37269,7 +37398,7 @@
     </p:spTree>
     <p:extLst>
       <p:ext uri="{BB962C8B-B14F-4D97-AF65-F5344CB8AC3E}">
-        <p14:creationId xmlns:p14="http://schemas.microsoft.com/office/powerpoint/2010/main" xmlns="" val="3860746871"/>
+        <p14:creationId xmlns:p14="http://schemas.microsoft.com/office/powerpoint/2010/main" val="3860746871"/>
       </p:ext>
     </p:extLst>
   </p:cSld>
@@ -38749,7 +38878,7 @@
     </p:spTree>
     <p:extLst>
       <p:ext uri="{BB962C8B-B14F-4D97-AF65-F5344CB8AC3E}">
-        <p14:creationId xmlns:p14="http://schemas.microsoft.com/office/powerpoint/2010/main" xmlns="" val="137696540"/>
+        <p14:creationId xmlns:p14="http://schemas.microsoft.com/office/powerpoint/2010/main" val="137696540"/>
       </p:ext>
     </p:extLst>
   </p:cSld>
@@ -39021,7 +39150,7 @@
   <a:extraClrSchemeLst/>
   <a:extLst>
     <a:ext uri="{05A4C25C-085E-4340-85A3-A5531E510DB2}">
-      <thm15:themeFamily xmlns:thm15="http://schemas.microsoft.com/office/thememl/2012/main" xmlns="" name="Office Theme" id="{62F939B6-93AF-4DB8-9C6B-D6C7DFDC589F}" vid="{4A3C46E8-61CC-4603-A589-7422A47A8E4A}"/>
+      <thm15:themeFamily xmlns:thm15="http://schemas.microsoft.com/office/thememl/2012/main" name="Office Theme" id="{62F939B6-93AF-4DB8-9C6B-D6C7DFDC589F}" vid="{4A3C46E8-61CC-4603-A589-7422A47A8E4A}"/>
     </a:ext>
   </a:extLst>
 </a:theme>
@@ -39282,7 +39411,7 @@
   <a:extraClrSchemeLst/>
   <a:extLst>
     <a:ext uri="{05A4C25C-085E-4340-85A3-A5531E510DB2}">
-      <thm15:themeFamily xmlns:thm15="http://schemas.microsoft.com/office/thememl/2012/main" xmlns="" name="Office Theme" id="{62F939B6-93AF-4DB8-9C6B-D6C7DFDC589F}" vid="{4A3C46E8-61CC-4603-A589-7422A47A8E4A}"/>
+      <thm15:themeFamily xmlns:thm15="http://schemas.microsoft.com/office/thememl/2012/main" name="Office Theme" id="{62F939B6-93AF-4DB8-9C6B-D6C7DFDC589F}" vid="{4A3C46E8-61CC-4603-A589-7422A47A8E4A}"/>
     </a:ext>
   </a:extLst>
 </a:theme>
